--- a/CapstoneSlides/CapstoneClass14.pptx
+++ b/CapstoneSlides/CapstoneClass14.pptx
@@ -236,7 +236,7 @@
           <a:p>
             <a:fld id="{C24322AF-E05B-7249-906C-FBAC6154C037}" type="datetimeFigureOut">
               <a:rPr lang="en-US" smtClean="0"/>
-              <a:t>6/18/25</a:t>
+              <a:t>6/19/25</a:t>
             </a:fld>
             <a:endParaRPr lang="en-US"/>
           </a:p>
@@ -402,7 +402,7 @@
             <a:fld id="{06A43BE5-3BD4-F642-8751-88A31D8D6D13}" type="datetimeFigureOut">
               <a:rPr lang="en-US" smtClean="0"/>
               <a:pPr/>
-              <a:t>6/18/25</a:t>
+              <a:t>6/19/25</a:t>
             </a:fld>
             <a:endParaRPr lang="en-US"/>
           </a:p>
@@ -945,7 +945,7 @@
             <a:fld id="{A4FA2B0E-4818-9849-9CF1-1031FD4E1DAB}" type="datetimeFigureOut">
               <a:rPr lang="en-US" smtClean="0"/>
               <a:pPr/>
-              <a:t>6/18/25</a:t>
+              <a:t>6/19/25</a:t>
             </a:fld>
             <a:endParaRPr lang="en-US"/>
           </a:p>
@@ -1110,7 +1110,7 @@
             <a:fld id="{A4FA2B0E-4818-9849-9CF1-1031FD4E1DAB}" type="datetimeFigureOut">
               <a:rPr lang="en-US" smtClean="0"/>
               <a:pPr/>
-              <a:t>6/18/25</a:t>
+              <a:t>6/19/25</a:t>
             </a:fld>
             <a:endParaRPr lang="en-US"/>
           </a:p>
@@ -1285,7 +1285,7 @@
             <a:fld id="{A4FA2B0E-4818-9849-9CF1-1031FD4E1DAB}" type="datetimeFigureOut">
               <a:rPr lang="en-US" smtClean="0"/>
               <a:pPr/>
-              <a:t>6/18/25</a:t>
+              <a:t>6/19/25</a:t>
             </a:fld>
             <a:endParaRPr lang="en-US"/>
           </a:p>
@@ -1450,7 +1450,7 @@
             <a:fld id="{A4FA2B0E-4818-9849-9CF1-1031FD4E1DAB}" type="datetimeFigureOut">
               <a:rPr lang="en-US" smtClean="0"/>
               <a:pPr/>
-              <a:t>6/18/25</a:t>
+              <a:t>6/19/25</a:t>
             </a:fld>
             <a:endParaRPr lang="en-US"/>
           </a:p>
@@ -1692,7 +1692,7 @@
             <a:fld id="{A4FA2B0E-4818-9849-9CF1-1031FD4E1DAB}" type="datetimeFigureOut">
               <a:rPr lang="en-US" smtClean="0"/>
               <a:pPr/>
-              <a:t>6/18/25</a:t>
+              <a:t>6/19/25</a:t>
             </a:fld>
             <a:endParaRPr lang="en-US"/>
           </a:p>
@@ -1974,7 +1974,7 @@
             <a:fld id="{A4FA2B0E-4818-9849-9CF1-1031FD4E1DAB}" type="datetimeFigureOut">
               <a:rPr lang="en-US" smtClean="0"/>
               <a:pPr/>
-              <a:t>6/18/25</a:t>
+              <a:t>6/19/25</a:t>
             </a:fld>
             <a:endParaRPr lang="en-US"/>
           </a:p>
@@ -2390,7 +2390,7 @@
             <a:fld id="{A4FA2B0E-4818-9849-9CF1-1031FD4E1DAB}" type="datetimeFigureOut">
               <a:rPr lang="en-US" smtClean="0"/>
               <a:pPr/>
-              <a:t>6/18/25</a:t>
+              <a:t>6/19/25</a:t>
             </a:fld>
             <a:endParaRPr lang="en-US"/>
           </a:p>
@@ -2504,7 +2504,7 @@
             <a:fld id="{A4FA2B0E-4818-9849-9CF1-1031FD4E1DAB}" type="datetimeFigureOut">
               <a:rPr lang="en-US" smtClean="0"/>
               <a:pPr/>
-              <a:t>6/18/25</a:t>
+              <a:t>6/19/25</a:t>
             </a:fld>
             <a:endParaRPr lang="en-US"/>
           </a:p>
@@ -2596,7 +2596,7 @@
             <a:fld id="{A4FA2B0E-4818-9849-9CF1-1031FD4E1DAB}" type="datetimeFigureOut">
               <a:rPr lang="en-US" smtClean="0"/>
               <a:pPr/>
-              <a:t>6/18/25</a:t>
+              <a:t>6/19/25</a:t>
             </a:fld>
             <a:endParaRPr lang="en-US"/>
           </a:p>
@@ -2868,7 +2868,7 @@
             <a:fld id="{A4FA2B0E-4818-9849-9CF1-1031FD4E1DAB}" type="datetimeFigureOut">
               <a:rPr lang="en-US" smtClean="0"/>
               <a:pPr/>
-              <a:t>6/18/25</a:t>
+              <a:t>6/19/25</a:t>
             </a:fld>
             <a:endParaRPr lang="en-US"/>
           </a:p>
@@ -3117,7 +3117,7 @@
             <a:fld id="{A4FA2B0E-4818-9849-9CF1-1031FD4E1DAB}" type="datetimeFigureOut">
               <a:rPr lang="en-US" smtClean="0"/>
               <a:pPr/>
-              <a:t>6/18/25</a:t>
+              <a:t>6/19/25</a:t>
             </a:fld>
             <a:endParaRPr lang="en-US"/>
           </a:p>
@@ -3325,7 +3325,7 @@
             <a:fld id="{A4FA2B0E-4818-9849-9CF1-1031FD4E1DAB}" type="datetimeFigureOut">
               <a:rPr lang="en-US" smtClean="0"/>
               <a:pPr/>
-              <a:t>6/18/25</a:t>
+              <a:t>6/19/25</a:t>
             </a:fld>
             <a:endParaRPr lang="en-US"/>
           </a:p>
@@ -4415,7 +4415,7 @@
                 <a:ea typeface="MS Mincho" panose="02020609040205080304" pitchFamily="49" charset="-128"/>
                 <a:cs typeface="Times New Roman" panose="02020603050405020304" pitchFamily="18" charset="0"/>
               </a:rPr>
-              <a:t>To be written in </a:t>
+              <a:t>To be written in LaTeX and submitted in electronic form, both </a:t>
             </a:r>
             <a:r>
               <a:rPr lang="en-US" sz="2200" dirty="0" err="1">
@@ -4423,7 +4423,7 @@
                 <a:ea typeface="MS Mincho" panose="02020609040205080304" pitchFamily="49" charset="-128"/>
                 <a:cs typeface="Times New Roman" panose="02020603050405020304" pitchFamily="18" charset="0"/>
               </a:rPr>
-              <a:t>LaTeX</a:t>
+              <a:t>tex</a:t>
             </a:r>
             <a:r>
               <a:rPr lang="en-US" sz="2200" dirty="0">
@@ -4431,23 +4431,7 @@
                 <a:ea typeface="MS Mincho" panose="02020609040205080304" pitchFamily="49" charset="-128"/>
                 <a:cs typeface="Times New Roman" panose="02020603050405020304" pitchFamily="18" charset="0"/>
               </a:rPr>
-              <a:t> and submitted in electronic form, both </a:t>
-            </a:r>
-            <a:r>
-              <a:rPr lang="en-US" sz="2200" dirty="0" err="1">
-                <a:latin typeface="Times New Roman" panose="02020603050405020304" pitchFamily="18" charset="0"/>
-                <a:ea typeface="MS Mincho" panose="02020609040205080304" pitchFamily="49" charset="-128"/>
-                <a:cs typeface="Times New Roman" panose="02020603050405020304" pitchFamily="18" charset="0"/>
-              </a:rPr>
-              <a:t>tex</a:t>
-            </a:r>
-            <a:r>
-              <a:rPr lang="en-US" sz="2200" dirty="0">
-                <a:latin typeface="Times New Roman" panose="02020603050405020304" pitchFamily="18" charset="0"/>
-                <a:ea typeface="MS Mincho" panose="02020609040205080304" pitchFamily="49" charset="-128"/>
-                <a:cs typeface="Times New Roman" panose="02020603050405020304" pitchFamily="18" charset="0"/>
-              </a:rPr>
-              <a:t> and pdf, via e-mail before the start of the next class</a:t>
+              <a:t> and pdf</a:t>
             </a:r>
           </a:p>
           <a:p>
